--- a/assets uarm/contextoGriego.pptx
+++ b/assets uarm/contextoGriego.pptx
@@ -19,6 +19,8 @@
     <p:sldId id="257" r:id="rId13"/>
     <p:sldId id="269" r:id="rId14"/>
     <p:sldId id="266" r:id="rId15"/>
+    <p:sldId id="270" r:id="rId16"/>
+    <p:sldId id="271" r:id="rId17"/>
   </p:sldIdLst>
   <p:sldSz cx="9144000" cy="6858000" type="screen4x3"/>
   <p:notesSz cx="6858000" cy="9144000"/>
@@ -4063,6 +4065,156 @@
       <p:bldP spid="13" grpId="0"/>
     </p:bldLst>
   </p:timing>
+</p:sld>
+</file>
+
+<file path=ppt/slides/slide15.xml><?xml version="1.0" encoding="utf-8"?>
+<p:sld xmlns:a="http://schemas.openxmlformats.org/drawingml/2006/main" xmlns:r="http://schemas.openxmlformats.org/officeDocument/2006/relationships" xmlns:p="http://schemas.openxmlformats.org/presentationml/2006/main">
+  <p:cSld>
+    <p:spTree>
+      <p:nvGrpSpPr>
+        <p:cNvPr id="1" name=""/>
+        <p:cNvGrpSpPr/>
+        <p:nvPr/>
+      </p:nvGrpSpPr>
+      <p:grpSpPr>
+        <a:xfrm>
+          <a:off x="0" y="0"/>
+          <a:ext cx="0" cy="0"/>
+          <a:chOff x="0" y="0"/>
+          <a:chExt cx="0" cy="0"/>
+        </a:xfrm>
+      </p:grpSpPr>
+      <p:sp>
+        <p:nvSpPr>
+          <p:cNvPr id="3" name="2 Marcador de contenido"/>
+          <p:cNvSpPr>
+            <a:spLocks noGrp="1"/>
+          </p:cNvSpPr>
+          <p:nvPr>
+            <p:ph idx="1"/>
+          </p:nvPr>
+        </p:nvSpPr>
+        <p:spPr/>
+        <p:txBody>
+          <a:bodyPr/>
+          <a:lstStyle/>
+          <a:p>
+            <a:r>
+              <a:rPr lang="es-PE" dirty="0" smtClean="0"/>
+              <a:t>Falta: </a:t>
+            </a:r>
+            <a:r>
+              <a:rPr lang="es-PE" dirty="0" err="1" smtClean="0"/>
+              <a:t>brother</a:t>
+            </a:r>
+            <a:r>
+              <a:rPr lang="es-PE" dirty="0" smtClean="0"/>
+              <a:t> q habla de la teodicea</a:t>
+            </a:r>
+          </a:p>
+          <a:p>
+            <a:r>
+              <a:rPr lang="es-PE" dirty="0" err="1" smtClean="0"/>
+              <a:t>Hindu</a:t>
+            </a:r>
+            <a:r>
+              <a:rPr lang="es-PE" dirty="0" smtClean="0"/>
+              <a:t> sobre el hierro</a:t>
+            </a:r>
+          </a:p>
+          <a:p>
+            <a:r>
+              <a:rPr lang="es-PE" dirty="0" smtClean="0"/>
+              <a:t>Pero esto es otra historia, </a:t>
+            </a:r>
+            <a:r>
+              <a:rPr lang="es-PE" dirty="0" err="1" smtClean="0"/>
+              <a:t>minoicmicen</a:t>
+            </a:r>
+            <a:endParaRPr lang="es-PE" dirty="0" smtClean="0"/>
+          </a:p>
+          <a:p>
+            <a:endParaRPr lang="es-PE" dirty="0"/>
+          </a:p>
+        </p:txBody>
+      </p:sp>
+    </p:spTree>
+  </p:cSld>
+  <p:clrMapOvr>
+    <a:masterClrMapping/>
+  </p:clrMapOvr>
+</p:sld>
+</file>
+
+<file path=ppt/slides/slide16.xml><?xml version="1.0" encoding="utf-8"?>
+<p:sld xmlns:a="http://schemas.openxmlformats.org/drawingml/2006/main" xmlns:r="http://schemas.openxmlformats.org/officeDocument/2006/relationships" xmlns:p="http://schemas.openxmlformats.org/presentationml/2006/main">
+  <p:cSld>
+    <p:spTree>
+      <p:nvGrpSpPr>
+        <p:cNvPr id="1" name=""/>
+        <p:cNvGrpSpPr/>
+        <p:nvPr/>
+      </p:nvGrpSpPr>
+      <p:grpSpPr>
+        <a:xfrm>
+          <a:off x="0" y="0"/>
+          <a:ext cx="0" cy="0"/>
+          <a:chOff x="0" y="0"/>
+          <a:chExt cx="0" cy="0"/>
+        </a:xfrm>
+      </p:grpSpPr>
+      <p:sp>
+        <p:nvSpPr>
+          <p:cNvPr id="2" name="1 Título"/>
+          <p:cNvSpPr>
+            <a:spLocks noGrp="1"/>
+          </p:cNvSpPr>
+          <p:nvPr>
+            <p:ph type="title"/>
+          </p:nvPr>
+        </p:nvSpPr>
+        <p:spPr/>
+        <p:txBody>
+          <a:bodyPr/>
+          <a:lstStyle/>
+          <a:p>
+            <a:r>
+              <a:rPr lang="es-PE" dirty="0" smtClean="0"/>
+              <a:t>La edad </a:t>
+            </a:r>
+            <a:r>
+              <a:rPr lang="es-PE" smtClean="0"/>
+              <a:t>del Hierro</a:t>
+            </a:r>
+            <a:endParaRPr lang="es-PE" dirty="0"/>
+          </a:p>
+        </p:txBody>
+      </p:sp>
+      <p:sp>
+        <p:nvSpPr>
+          <p:cNvPr id="3" name="2 Marcador de contenido"/>
+          <p:cNvSpPr>
+            <a:spLocks noGrp="1"/>
+          </p:cNvSpPr>
+          <p:nvPr>
+            <p:ph idx="1"/>
+          </p:nvPr>
+        </p:nvSpPr>
+        <p:spPr/>
+        <p:txBody>
+          <a:bodyPr/>
+          <a:lstStyle/>
+          <a:p>
+            <a:endParaRPr lang="es-PE"/>
+          </a:p>
+        </p:txBody>
+      </p:sp>
+    </p:spTree>
+  </p:cSld>
+  <p:clrMapOvr>
+    <a:masterClrMapping/>
+  </p:clrMapOvr>
 </p:sld>
 </file>
 
